--- a/제안서/프로젝트 제안서 (240826 수정).pptx
+++ b/제안서/프로젝트 제안서 (240826 수정).pptx
@@ -3716,7 +3716,7 @@
               <a:defRPr/>
             </a:pPr>
             <a:r>
-              <a:rPr lang="ko-KR" altLang="en-US" sz="5000" b="1" i="0" u="none" strike="noStrike">
+              <a:rPr lang="ko-KR" altLang="en-US" sz="4500" b="1" i="0" u="none" strike="noStrike">
                 <a:solidFill>
                   <a:srgbClr val="5a5a5a"/>
                 </a:solidFill>
@@ -3726,7 +3726,7 @@
               <a:t>	</a:t>
             </a:r>
             <a:r>
-              <a:rPr lang="en-US" altLang="ko-KR" sz="4000" i="0" u="none" strike="noStrike">
+              <a:rPr lang="en-US" altLang="ko-KR" sz="4500" i="0" u="none" strike="noStrike">
                 <a:solidFill>
                   <a:srgbClr val="5a5a5a"/>
                 </a:solidFill>
@@ -3736,102 +3736,7 @@
               <a:t>-</a:t>
             </a:r>
             <a:r>
-              <a:rPr lang="ko-KR" altLang="en-US" sz="4000" i="0" u="none" strike="noStrike">
-                <a:solidFill>
-                  <a:srgbClr val="5a5a5a"/>
-                </a:solidFill>
-                <a:latin typeface="전기안전체 Regular TTF"/>
-                <a:ea typeface="전기안전체 Regular TTF"/>
-              </a:rPr>
-              <a:t> 백엔드 개발 </a:t>
-            </a:r>
-            <a:r>
-              <a:rPr lang="en-US" altLang="ko-KR" sz="4000" i="0" u="none" strike="noStrike">
-                <a:solidFill>
-                  <a:srgbClr val="5a5a5a"/>
-                </a:solidFill>
-                <a:latin typeface="전기안전체 Regular TTF"/>
-                <a:ea typeface="전기안전체 Regular TTF"/>
-              </a:rPr>
-              <a:t>(JAVA SPRING</a:t>
-            </a:r>
-            <a:r>
-              <a:rPr lang="ko-KR" altLang="en-US" sz="4000" i="0" u="none" strike="noStrike">
-                <a:solidFill>
-                  <a:srgbClr val="5a5a5a"/>
-                </a:solidFill>
-                <a:latin typeface="전기안전체 Regular TTF"/>
-                <a:ea typeface="전기안전체 Regular TTF"/>
-              </a:rPr>
-              <a:t> 기반 </a:t>
-            </a:r>
-            <a:r>
-              <a:rPr lang="en-US" altLang="ko-KR" sz="4000" i="0" u="none" strike="noStrike">
-                <a:solidFill>
-                  <a:srgbClr val="5a5a5a"/>
-                </a:solidFill>
-                <a:latin typeface="전기안전체 Regular TTF"/>
-                <a:ea typeface="전기안전체 Regular TTF"/>
-              </a:rPr>
-              <a:t>API</a:t>
-            </a:r>
-            <a:r>
-              <a:rPr lang="ko-KR" altLang="en-US" sz="4000" i="0" u="none" strike="noStrike">
-                <a:solidFill>
-                  <a:srgbClr val="5a5a5a"/>
-                </a:solidFill>
-                <a:latin typeface="전기안전체 Regular TTF"/>
-                <a:ea typeface="전기안전체 Regular TTF"/>
-              </a:rPr>
-              <a:t> 구현</a:t>
-            </a:r>
-            <a:r>
-              <a:rPr lang="en-US" altLang="ko-KR" sz="4000" i="0" u="none" strike="noStrike">
-                <a:solidFill>
-                  <a:srgbClr val="5a5a5a"/>
-                </a:solidFill>
-                <a:latin typeface="전기안전체 Regular TTF"/>
-                <a:ea typeface="전기안전체 Regular TTF"/>
-              </a:rPr>
-              <a:t>)</a:t>
-            </a:r>
-            <a:endParaRPr lang="en-US" altLang="ko-KR" sz="4000" i="0" u="none" strike="noStrike">
-              <a:solidFill>
-                <a:srgbClr val="5a5a5a"/>
-              </a:solidFill>
-              <a:latin typeface="전기안전체 Regular TTF"/>
-              <a:ea typeface="전기안전체 Regular TTF"/>
-            </a:endParaRPr>
-          </a:p>
-          <a:p>
-            <a:pPr lvl="0" algn="l">
-              <a:lnSpc>
-                <a:spcPct val="116199"/>
-              </a:lnSpc>
-              <a:defRPr/>
-            </a:pPr>
-            <a:r>
-              <a:rPr lang="ko-KR" altLang="en-US" sz="4000" i="0" u="none" strike="noStrike">
-                <a:solidFill>
-                  <a:srgbClr val="5a5a5a"/>
-                </a:solidFill>
-                <a:latin typeface="전기안전체 Regular TTF"/>
-                <a:ea typeface="전기안전체 Regular TTF"/>
-              </a:rPr>
-              <a:t>	</a:t>
-            </a:r>
-            <a:r>
-              <a:rPr lang="en-US" altLang="ko-KR" sz="4000" i="0" u="none" strike="noStrike">
-                <a:solidFill>
-                  <a:srgbClr val="5a5a5a"/>
-                </a:solidFill>
-                <a:latin typeface="전기안전체 Regular TTF"/>
-                <a:ea typeface="전기안전체 Regular TTF"/>
-              </a:rPr>
-              <a:t>-</a:t>
-            </a:r>
-            <a:r>
-              <a:rPr lang="ko-KR" altLang="en-US" sz="4000" i="0" u="none" strike="noStrike">
+              <a:rPr lang="ko-KR" altLang="en-US" sz="4500" i="0" u="none" strike="noStrike">
                 <a:solidFill>
                   <a:srgbClr val="5a5a5a"/>
                 </a:solidFill>
@@ -3841,7 +3746,7 @@
               <a:t> 파트 구성원</a:t>
             </a:r>
             <a:r>
-              <a:rPr lang="en-US" altLang="ko-KR" sz="4000" i="0" u="none" strike="noStrike">
+              <a:rPr lang="en-US" altLang="ko-KR" sz="4500" i="0" u="none" strike="noStrike">
                 <a:solidFill>
                   <a:srgbClr val="5a5a5a"/>
                 </a:solidFill>
@@ -3851,7 +3756,7 @@
               <a:t>:</a:t>
             </a:r>
             <a:r>
-              <a:rPr lang="ko-KR" altLang="en-US" sz="4000" i="0" u="none" strike="noStrike">
+              <a:rPr lang="ko-KR" altLang="en-US" sz="4500" i="0" u="none" strike="noStrike">
                 <a:solidFill>
                   <a:srgbClr val="5a5a5a"/>
                 </a:solidFill>
@@ -3885,6 +3790,256 @@
               </a:lnSpc>
               <a:defRPr/>
             </a:pPr>
+            <a:r>
+              <a:rPr lang="ko-KR" altLang="en-US" sz="5000" b="1" i="0" u="none" strike="noStrike">
+                <a:solidFill>
+                  <a:srgbClr val="5a5a5a"/>
+                </a:solidFill>
+                <a:latin typeface="전기안전체 Regular TTF"/>
+                <a:ea typeface="전기안전체 Regular TTF"/>
+              </a:rPr>
+              <a:t>	</a:t>
+            </a:r>
+            <a:r>
+              <a:rPr lang="en-US" altLang="ko-KR" sz="4000" i="0" u="none" strike="noStrike">
+                <a:solidFill>
+                  <a:srgbClr val="5a5a5a"/>
+                </a:solidFill>
+                <a:latin typeface="전기안전체 Regular TTF"/>
+                <a:ea typeface="전기안전체 Regular TTF"/>
+              </a:rPr>
+              <a:t>-</a:t>
+            </a:r>
+            <a:r>
+              <a:rPr lang="ko-KR" altLang="en-US" sz="4000" i="0" u="none" strike="noStrike">
+                <a:solidFill>
+                  <a:srgbClr val="5a5a5a"/>
+                </a:solidFill>
+                <a:latin typeface="전기안전체 Regular TTF"/>
+                <a:ea typeface="전기안전체 Regular TTF"/>
+              </a:rPr>
+              <a:t> </a:t>
+            </a:r>
+            <a:r>
+              <a:rPr lang="ko-KR" altLang="en-US" sz="4000" b="1" i="0" u="none" strike="noStrike">
+                <a:solidFill>
+                  <a:srgbClr val="5a5a5a"/>
+                </a:solidFill>
+                <a:latin typeface="전기안전체 Regular TTF"/>
+                <a:ea typeface="전기안전체 Regular TTF"/>
+              </a:rPr>
+              <a:t>백엔드 개발</a:t>
+            </a:r>
+            <a:r>
+              <a:rPr lang="en-US" altLang="ko-KR" sz="4000" i="0" u="none" strike="noStrike">
+                <a:solidFill>
+                  <a:srgbClr val="5a5a5a"/>
+                </a:solidFill>
+                <a:latin typeface="전기안전체 Regular TTF"/>
+                <a:ea typeface="전기안전체 Regular TTF"/>
+              </a:rPr>
+              <a:t>:</a:t>
+            </a:r>
+            <a:r>
+              <a:rPr lang="ko-KR" altLang="en-US" sz="4000" i="0" u="none" strike="noStrike">
+                <a:solidFill>
+                  <a:srgbClr val="5a5a5a"/>
+                </a:solidFill>
+                <a:latin typeface="전기안전체 Regular TTF"/>
+                <a:ea typeface="전기안전체 Regular TTF"/>
+              </a:rPr>
+              <a:t> </a:t>
+            </a:r>
+            <a:r>
+              <a:rPr lang="en-US" altLang="ko-KR" sz="4000" i="0" u="none" strike="noStrike">
+                <a:solidFill>
+                  <a:srgbClr val="5a5a5a"/>
+                </a:solidFill>
+                <a:latin typeface="전기안전체 Regular TTF"/>
+                <a:ea typeface="전기안전체 Regular TTF"/>
+              </a:rPr>
+              <a:t>JAVA SPRING</a:t>
+            </a:r>
+            <a:r>
+              <a:rPr lang="ko-KR" altLang="en-US" sz="4000" i="0" u="none" strike="noStrike">
+                <a:solidFill>
+                  <a:srgbClr val="5a5a5a"/>
+                </a:solidFill>
+                <a:latin typeface="전기안전체 Regular TTF"/>
+                <a:ea typeface="전기안전체 Regular TTF"/>
+              </a:rPr>
+              <a:t> </a:t>
+            </a:r>
+            <a:r>
+              <a:rPr lang="en-US" altLang="ko-KR" sz="4000" i="0" u="none" strike="noStrike">
+                <a:solidFill>
+                  <a:srgbClr val="5a5a5a"/>
+                </a:solidFill>
+                <a:latin typeface="전기안전체 Regular TTF"/>
+                <a:ea typeface="전기안전체 Regular TTF"/>
+              </a:rPr>
+              <a:t>FRAMEWORK </a:t>
+            </a:r>
+            <a:r>
+              <a:rPr lang="ko-KR" altLang="en-US" sz="4000" i="0" u="none" strike="noStrike">
+                <a:solidFill>
+                  <a:srgbClr val="5a5a5a"/>
+                </a:solidFill>
+                <a:latin typeface="전기안전체 Regular TTF"/>
+                <a:ea typeface="전기안전체 Regular TTF"/>
+              </a:rPr>
+              <a:t>기반 </a:t>
+            </a:r>
+            <a:r>
+              <a:rPr lang="en-US" altLang="ko-KR" sz="4000" i="0" u="none" strike="noStrike">
+                <a:solidFill>
+                  <a:srgbClr val="5a5a5a"/>
+                </a:solidFill>
+                <a:latin typeface="전기안전체 Regular TTF"/>
+                <a:ea typeface="전기안전체 Regular TTF"/>
+              </a:rPr>
+              <a:t>API</a:t>
+            </a:r>
+            <a:r>
+              <a:rPr lang="ko-KR" altLang="en-US" sz="4000" i="0" u="none" strike="noStrike">
+                <a:solidFill>
+                  <a:srgbClr val="5a5a5a"/>
+                </a:solidFill>
+                <a:latin typeface="전기안전체 Regular TTF"/>
+                <a:ea typeface="전기안전체 Regular TTF"/>
+              </a:rPr>
+              <a:t> 구현</a:t>
+            </a:r>
+            <a:endParaRPr lang="ko-KR" altLang="en-US" sz="4000" i="0" u="none" strike="noStrike">
+              <a:solidFill>
+                <a:srgbClr val="5a5a5a"/>
+              </a:solidFill>
+              <a:latin typeface="전기안전체 Regular TTF"/>
+              <a:ea typeface="전기안전체 Regular TTF"/>
+            </a:endParaRPr>
+          </a:p>
+          <a:p>
+            <a:pPr lvl="0" algn="l">
+              <a:lnSpc>
+                <a:spcPct val="116199"/>
+              </a:lnSpc>
+              <a:defRPr/>
+            </a:pPr>
+            <a:r>
+              <a:rPr lang="ko-KR" altLang="en-US" sz="4000" i="0" u="none" strike="noStrike">
+                <a:solidFill>
+                  <a:srgbClr val="5a5a5a"/>
+                </a:solidFill>
+                <a:latin typeface="전기안전체 Regular TTF"/>
+                <a:ea typeface="전기안전체 Regular TTF"/>
+              </a:rPr>
+              <a:t>	</a:t>
+            </a:r>
+            <a:r>
+              <a:rPr lang="en-US" altLang="ko-KR" sz="4000" i="0" u="none" strike="noStrike">
+                <a:solidFill>
+                  <a:srgbClr val="5a5a5a"/>
+                </a:solidFill>
+                <a:latin typeface="전기안전체 Regular TTF"/>
+                <a:ea typeface="전기안전체 Regular TTF"/>
+              </a:rPr>
+              <a:t>-</a:t>
+            </a:r>
+            <a:r>
+              <a:rPr lang="ko-KR" altLang="en-US" sz="4000" i="0" u="none" strike="noStrike">
+                <a:solidFill>
+                  <a:srgbClr val="5a5a5a"/>
+                </a:solidFill>
+                <a:latin typeface="전기안전체 Regular TTF"/>
+                <a:ea typeface="전기안전체 Regular TTF"/>
+              </a:rPr>
+              <a:t> </a:t>
+            </a:r>
+            <a:r>
+              <a:rPr lang="en-US" altLang="ko-KR" sz="4000" b="1" i="0" u="none" strike="noStrike">
+                <a:solidFill>
+                  <a:srgbClr val="5a5a5a"/>
+                </a:solidFill>
+                <a:latin typeface="전기안전체 Regular TTF"/>
+                <a:ea typeface="전기안전체 Regular TTF"/>
+              </a:rPr>
+              <a:t>Database</a:t>
+            </a:r>
+            <a:r>
+              <a:rPr lang="ko-KR" altLang="en-US" sz="4000" b="1" i="0" u="none" strike="noStrike">
+                <a:solidFill>
+                  <a:srgbClr val="5a5a5a"/>
+                </a:solidFill>
+                <a:latin typeface="전기안전체 Regular TTF"/>
+                <a:ea typeface="전기안전체 Regular TTF"/>
+              </a:rPr>
+              <a:t> 관리</a:t>
+            </a:r>
+            <a:r>
+              <a:rPr lang="en-US" altLang="ko-KR" sz="4000" i="0" u="none" strike="noStrike">
+                <a:solidFill>
+                  <a:srgbClr val="5a5a5a"/>
+                </a:solidFill>
+                <a:latin typeface="전기안전체 Regular TTF"/>
+                <a:ea typeface="전기안전체 Regular TTF"/>
+              </a:rPr>
+              <a:t>:</a:t>
+            </a:r>
+            <a:r>
+              <a:rPr lang="ko-KR" altLang="en-US" sz="4000" i="0" u="none" strike="noStrike">
+                <a:solidFill>
+                  <a:srgbClr val="5a5a5a"/>
+                </a:solidFill>
+                <a:latin typeface="전기안전체 Regular TTF"/>
+                <a:ea typeface="전기안전체 Regular TTF"/>
+              </a:rPr>
+              <a:t> </a:t>
+            </a:r>
+            <a:r>
+              <a:rPr lang="en-US" altLang="ko-KR" sz="4000" i="0" u="none" strike="noStrike">
+                <a:solidFill>
+                  <a:srgbClr val="5a5a5a"/>
+                </a:solidFill>
+                <a:latin typeface="전기안전체 Regular TTF"/>
+                <a:ea typeface="전기안전체 Regular TTF"/>
+              </a:rPr>
+              <a:t>MySQL</a:t>
+            </a:r>
+            <a:r>
+              <a:rPr lang="ko-KR" altLang="en-US" sz="4000" i="0" u="none" strike="noStrike">
+                <a:solidFill>
+                  <a:srgbClr val="5a5a5a"/>
+                </a:solidFill>
+                <a:latin typeface="전기안전체 Regular TTF"/>
+                <a:ea typeface="전기안전체 Regular TTF"/>
+              </a:rPr>
+              <a:t>을 사용하여 데이터베이스 관리</a:t>
+            </a:r>
+            <a:endParaRPr lang="ko-KR" altLang="en-US" sz="4000" i="0" u="none" strike="noStrike">
+              <a:solidFill>
+                <a:srgbClr val="5a5a5a"/>
+              </a:solidFill>
+              <a:latin typeface="전기안전체 Regular TTF"/>
+              <a:ea typeface="전기안전체 Regular TTF"/>
+            </a:endParaRPr>
+          </a:p>
+          <a:p>
+            <a:pPr lvl="0" algn="l">
+              <a:lnSpc>
+                <a:spcPct val="116199"/>
+              </a:lnSpc>
+              <a:defRPr/>
+            </a:pPr>
+            <a:r>
+              <a:rPr lang="ko-KR" altLang="en-US" sz="4000" i="0" u="none" strike="noStrike">
+                <a:solidFill>
+                  <a:srgbClr val="5a5a5a"/>
+                </a:solidFill>
+                <a:latin typeface="전기안전체 Regular TTF"/>
+                <a:ea typeface="전기안전체 Regular TTF"/>
+              </a:rPr>
+              <a:t>	</a:t>
+            </a:r>
             <a:r>
               <a:rPr lang="ko-KR" altLang="en-US" sz="4600" b="0" i="0" u="none" strike="noStrike">
                 <a:solidFill>
@@ -4093,8 +4248,8 @@
         </p:nvSpPr>
         <p:spPr>
           <a:xfrm>
-            <a:off x="889000" y="3869246"/>
-            <a:ext cx="16256000" cy="6196583"/>
+            <a:off x="533400" y="3695700"/>
+            <a:ext cx="17373600" cy="6370129"/>
           </a:xfrm>
           <a:prstGeom prst="rect">
             <a:avLst/>
@@ -4166,7 +4321,7 @@
               <a:defRPr/>
             </a:pPr>
             <a:r>
-              <a:rPr lang="ko-KR" altLang="en-US" sz="5000" b="1" i="0" u="none" strike="noStrike">
+              <a:rPr lang="ko-KR" altLang="en-US" sz="4500" b="1" i="0" u="none" strike="noStrike">
                 <a:solidFill>
                   <a:srgbClr val="5a5a5a"/>
                 </a:solidFill>
@@ -4176,7 +4331,7 @@
               <a:t>	</a:t>
             </a:r>
             <a:r>
-              <a:rPr lang="en-US" altLang="ko-KR" sz="4000" i="0" u="none" strike="noStrike">
+              <a:rPr lang="en-US" altLang="ko-KR" sz="4500" i="0" u="none" strike="noStrike">
                 <a:solidFill>
                   <a:srgbClr val="5a5a5a"/>
                 </a:solidFill>
@@ -4186,92 +4341,7 @@
               <a:t>-</a:t>
             </a:r>
             <a:r>
-              <a:rPr lang="ko-KR" altLang="en-US" sz="4000" i="0" u="none" strike="noStrike">
-                <a:solidFill>
-                  <a:srgbClr val="5a5a5a"/>
-                </a:solidFill>
-                <a:latin typeface="전기안전체 Regular TTF"/>
-                <a:ea typeface="전기안전체 Regular TTF"/>
-              </a:rPr>
-              <a:t> 파이썬 기반 데이터 크롤링 및 분석</a:t>
-            </a:r>
-            <a:r>
-              <a:rPr lang="en-US" altLang="ko-KR" sz="4000" i="0" u="none" strike="noStrike">
-                <a:solidFill>
-                  <a:srgbClr val="5a5a5a"/>
-                </a:solidFill>
-                <a:latin typeface="전기안전체 Regular TTF"/>
-                <a:ea typeface="전기안전체 Regular TTF"/>
-              </a:rPr>
-              <a:t>,</a:t>
-            </a:r>
-            <a:r>
-              <a:rPr lang="ko-KR" altLang="en-US" sz="4000" i="0" u="none" strike="noStrike">
-                <a:solidFill>
-                  <a:srgbClr val="5a5a5a"/>
-                </a:solidFill>
-                <a:latin typeface="전기안전체 Regular TTF"/>
-                <a:ea typeface="전기안전체 Regular TTF"/>
-              </a:rPr>
-              <a:t> </a:t>
-            </a:r>
-            <a:r>
-              <a:rPr lang="en-US" altLang="ko-KR" sz="4000" i="0" u="none" strike="noStrike">
-                <a:solidFill>
-                  <a:srgbClr val="5a5a5a"/>
-                </a:solidFill>
-                <a:latin typeface="전기안전체 Regular TTF"/>
-                <a:ea typeface="전기안전체 Regular TTF"/>
-              </a:rPr>
-              <a:t>ELASTIC SEARCH</a:t>
-            </a:r>
-            <a:r>
-              <a:rPr lang="ko-KR" altLang="en-US" sz="4000" i="0" u="none" strike="noStrike">
-                <a:solidFill>
-                  <a:srgbClr val="5a5a5a"/>
-                </a:solidFill>
-                <a:latin typeface="전기안전체 Regular TTF"/>
-                <a:ea typeface="전기안전체 Regular TTF"/>
-              </a:rPr>
-              <a:t>기반 검색 엔진 구축</a:t>
-            </a:r>
-            <a:endParaRPr lang="en-US" altLang="ko-KR" sz="4000" i="0" u="none" strike="noStrike">
-              <a:solidFill>
-                <a:srgbClr val="5a5a5a"/>
-              </a:solidFill>
-              <a:latin typeface="전기안전체 Regular TTF"/>
-              <a:ea typeface="전기안전체 Regular TTF"/>
-            </a:endParaRPr>
-          </a:p>
-          <a:p>
-            <a:pPr lvl="0" algn="l">
-              <a:lnSpc>
-                <a:spcPct val="116199"/>
-              </a:lnSpc>
-              <a:defRPr/>
-            </a:pPr>
-            <a:r>
-              <a:rPr lang="ko-KR" altLang="en-US" sz="4000" i="0" u="none" strike="noStrike">
-                <a:solidFill>
-                  <a:srgbClr val="5a5a5a"/>
-                </a:solidFill>
-                <a:latin typeface="전기안전체 Regular TTF"/>
-                <a:ea typeface="전기안전체 Regular TTF"/>
-              </a:rPr>
-              <a:t>	</a:t>
-            </a:r>
-            <a:r>
-              <a:rPr lang="en-US" altLang="ko-KR" sz="4000" i="0" u="none" strike="noStrike">
-                <a:solidFill>
-                  <a:srgbClr val="5a5a5a"/>
-                </a:solidFill>
-                <a:latin typeface="전기안전체 Regular TTF"/>
-                <a:ea typeface="전기안전체 Regular TTF"/>
-              </a:rPr>
-              <a:t>-</a:t>
-            </a:r>
-            <a:r>
-              <a:rPr lang="ko-KR" altLang="en-US" sz="4000" i="0" u="none" strike="noStrike">
+              <a:rPr lang="ko-KR" altLang="en-US" sz="4500" i="0" u="none" strike="noStrike">
                 <a:solidFill>
                   <a:srgbClr val="5a5a5a"/>
                 </a:solidFill>
@@ -4281,7 +4351,7 @@
               <a:t> 파트 구성원</a:t>
             </a:r>
             <a:r>
-              <a:rPr lang="en-US" altLang="ko-KR" sz="4000" i="0" u="none" strike="noStrike">
+              <a:rPr lang="en-US" altLang="ko-KR" sz="4500" i="0" u="none" strike="noStrike">
                 <a:solidFill>
                   <a:srgbClr val="5a5a5a"/>
                 </a:solidFill>
@@ -4291,7 +4361,7 @@
               <a:t>:</a:t>
             </a:r>
             <a:r>
-              <a:rPr lang="ko-KR" altLang="en-US" sz="4000" i="0" u="none" strike="noStrike">
+              <a:rPr lang="ko-KR" altLang="en-US" sz="4500" i="0" u="none" strike="noStrike">
                 <a:solidFill>
                   <a:srgbClr val="5a5a5a"/>
                 </a:solidFill>
@@ -4325,6 +4395,351 @@
               </a:lnSpc>
               <a:defRPr/>
             </a:pPr>
+            <a:r>
+              <a:rPr lang="ko-KR" altLang="en-US" sz="3400" b="1" i="0" u="none" strike="noStrike">
+                <a:solidFill>
+                  <a:srgbClr val="5a5a5a"/>
+                </a:solidFill>
+                <a:latin typeface="전기안전체 Regular TTF"/>
+                <a:ea typeface="전기안전체 Regular TTF"/>
+              </a:rPr>
+              <a:t>	</a:t>
+            </a:r>
+            <a:r>
+              <a:rPr lang="en-US" altLang="ko-KR" sz="3400" b="1" i="0" u="none" strike="noStrike">
+                <a:solidFill>
+                  <a:srgbClr val="5a5a5a"/>
+                </a:solidFill>
+                <a:latin typeface="전기안전체 Regular TTF"/>
+                <a:ea typeface="전기안전체 Regular TTF"/>
+              </a:rPr>
+              <a:t>-</a:t>
+            </a:r>
+            <a:r>
+              <a:rPr lang="ko-KR" altLang="en-US" sz="3400" b="1" i="0" u="none" strike="noStrike">
+                <a:solidFill>
+                  <a:srgbClr val="5a5a5a"/>
+                </a:solidFill>
+                <a:latin typeface="전기안전체 Regular TTF"/>
+                <a:ea typeface="전기안전체 Regular TTF"/>
+              </a:rPr>
+              <a:t> </a:t>
+            </a:r>
+            <a:r>
+              <a:rPr lang="en-US" altLang="ko-KR" sz="3400" b="1" i="0" u="none" strike="noStrike">
+                <a:solidFill>
+                  <a:srgbClr val="5a5a5a"/>
+                </a:solidFill>
+                <a:latin typeface="전기안전체 Regular TTF"/>
+                <a:ea typeface="전기안전체 Regular TTF"/>
+              </a:rPr>
+              <a:t>Selenium, BeautifulSoup</a:t>
+            </a:r>
+            <a:r>
+              <a:rPr lang="en-US" altLang="ko-KR" sz="3400" i="0" u="none" strike="noStrike">
+                <a:solidFill>
+                  <a:srgbClr val="5a5a5a"/>
+                </a:solidFill>
+                <a:latin typeface="전기안전체 Regular TTF"/>
+                <a:ea typeface="전기안전체 Regular TTF"/>
+              </a:rPr>
+              <a:t>: 함께 활용하여 HTML 파싱 및 데이터 추출</a:t>
+            </a:r>
+            <a:endParaRPr lang="en-US" altLang="ko-KR" sz="3400" i="0" u="none" strike="noStrike">
+              <a:solidFill>
+                <a:srgbClr val="5a5a5a"/>
+              </a:solidFill>
+              <a:latin typeface="전기안전체 Regular TTF"/>
+              <a:ea typeface="전기안전체 Regular TTF"/>
+            </a:endParaRPr>
+          </a:p>
+          <a:p>
+            <a:pPr lvl="0" algn="l">
+              <a:lnSpc>
+                <a:spcPct val="116199"/>
+              </a:lnSpc>
+              <a:defRPr/>
+            </a:pPr>
+            <a:r>
+              <a:rPr lang="en-US" altLang="ko-KR" sz="3400" i="0" u="none" strike="noStrike">
+                <a:solidFill>
+                  <a:srgbClr val="5a5a5a"/>
+                </a:solidFill>
+                <a:latin typeface="전기안전체 Regular TTF"/>
+                <a:ea typeface="전기안전체 Regular TTF"/>
+              </a:rPr>
+              <a:t>	</a:t>
+            </a:r>
+            <a:r>
+              <a:rPr lang="en-US" altLang="ko-KR" sz="3400" b="1" i="0" u="none" strike="noStrike">
+                <a:solidFill>
+                  <a:srgbClr val="5a5a5a"/>
+                </a:solidFill>
+                <a:latin typeface="전기안전체 Regular TTF"/>
+                <a:ea typeface="전기안전체 Regular TTF"/>
+              </a:rPr>
+              <a:t>- NLTK(Natural Language Toolkit)</a:t>
+            </a:r>
+            <a:r>
+              <a:rPr lang="en-US" altLang="ko-KR" sz="3400" i="0" u="none" strike="noStrike">
+                <a:solidFill>
+                  <a:srgbClr val="5a5a5a"/>
+                </a:solidFill>
+                <a:latin typeface="전기안전체 Regular TTF"/>
+                <a:ea typeface="전기안전체 Regular TTF"/>
+              </a:rPr>
+              <a:t>:</a:t>
+            </a:r>
+            <a:r>
+              <a:rPr lang="ko-KR" altLang="en-US" sz="3400" i="0" u="none" strike="noStrike">
+                <a:solidFill>
+                  <a:srgbClr val="5a5a5a"/>
+                </a:solidFill>
+                <a:latin typeface="전기안전체 Regular TTF"/>
+                <a:ea typeface="전기안전체 Regular TTF"/>
+              </a:rPr>
+              <a:t> 사용자 리뷰 및 텍스트 데이터를</a:t>
+            </a:r>
+            <a:r>
+              <a:rPr lang="en-US" altLang="ko-KR" sz="3400" i="0" u="none" strike="noStrike">
+                <a:solidFill>
+                  <a:srgbClr val="5a5a5a"/>
+                </a:solidFill>
+                <a:latin typeface="전기안전체 Regular TTF"/>
+                <a:ea typeface="전기안전체 Regular TTF"/>
+              </a:rPr>
+              <a:t> </a:t>
+            </a:r>
+            <a:r>
+              <a:rPr lang="ko-KR" altLang="en-US" sz="3400" i="0" u="none" strike="noStrike">
+                <a:solidFill>
+                  <a:srgbClr val="5a5a5a"/>
+                </a:solidFill>
+                <a:latin typeface="전기안전체 Regular TTF"/>
+                <a:ea typeface="전기안전체 Regular TTF"/>
+              </a:rPr>
+              <a:t>처리하고,</a:t>
+            </a:r>
+            <a:r>
+              <a:rPr lang="en-US" altLang="ko-KR" sz="3400" i="0" u="none" strike="noStrike">
+                <a:solidFill>
+                  <a:srgbClr val="5a5a5a"/>
+                </a:solidFill>
+                <a:latin typeface="전기안전체 Regular TTF"/>
+                <a:ea typeface="전기안전체 Regular TTF"/>
+              </a:rPr>
+              <a:t> </a:t>
+            </a:r>
+            <a:r>
+              <a:rPr lang="ko-KR" altLang="en-US" sz="3400" i="0" u="none" strike="noStrike">
+                <a:solidFill>
+                  <a:srgbClr val="5a5a5a"/>
+                </a:solidFill>
+                <a:latin typeface="전기안전체 Regular TTF"/>
+                <a:ea typeface="전기안전체 Regular TTF"/>
+              </a:rPr>
+              <a:t>자연어</a:t>
+            </a:r>
+            <a:r>
+              <a:rPr lang="en-US" altLang="ko-KR" sz="3400" i="0" u="none" strike="noStrike">
+                <a:solidFill>
+                  <a:srgbClr val="5a5a5a"/>
+                </a:solidFill>
+                <a:latin typeface="전기안전체 Regular TTF"/>
+                <a:ea typeface="전기안전체 Regular TTF"/>
+              </a:rPr>
+              <a:t> 			</a:t>
+            </a:r>
+            <a:r>
+              <a:rPr lang="ko-KR" altLang="en-US" sz="3400" i="0" u="none" strike="noStrike">
+                <a:solidFill>
+                  <a:srgbClr val="5a5a5a"/>
+                </a:solidFill>
+                <a:latin typeface="전기안전체 Regular TTF"/>
+                <a:ea typeface="전기안전체 Regular TTF"/>
+              </a:rPr>
+              <a:t>분석(NLP)을 통해 키워드 추출, 감성 분석 등 수행.</a:t>
+            </a:r>
+            <a:endParaRPr lang="ko-KR" altLang="en-US" sz="3400" i="0" u="none" strike="noStrike">
+              <a:solidFill>
+                <a:srgbClr val="5a5a5a"/>
+              </a:solidFill>
+              <a:latin typeface="전기안전체 Regular TTF"/>
+              <a:ea typeface="전기안전체 Regular TTF"/>
+            </a:endParaRPr>
+          </a:p>
+          <a:p>
+            <a:pPr lvl="0" algn="l">
+              <a:lnSpc>
+                <a:spcPct val="116199"/>
+              </a:lnSpc>
+              <a:defRPr/>
+            </a:pPr>
+            <a:r>
+              <a:rPr lang="en-US" altLang="ko-KR" sz="3400" i="0" u="none" strike="noStrike">
+                <a:solidFill>
+                  <a:srgbClr val="5a5a5a"/>
+                </a:solidFill>
+                <a:latin typeface="전기안전체 Regular TTF"/>
+                <a:ea typeface="전기안전체 Regular TTF"/>
+              </a:rPr>
+              <a:t>	- </a:t>
+            </a:r>
+            <a:r>
+              <a:rPr lang="en-US" altLang="ko-KR" sz="3400" b="1" i="0" u="none" strike="noStrike">
+                <a:solidFill>
+                  <a:srgbClr val="5a5a5a"/>
+                </a:solidFill>
+                <a:latin typeface="전기안전체 Regular TTF"/>
+                <a:ea typeface="전기안전체 Regular TTF"/>
+              </a:rPr>
+              <a:t>Scikit-learn</a:t>
+            </a:r>
+            <a:r>
+              <a:rPr lang="en-US" altLang="ko-KR" sz="3400" i="0" u="none" strike="noStrike">
+                <a:solidFill>
+                  <a:srgbClr val="5a5a5a"/>
+                </a:solidFill>
+                <a:latin typeface="전기안전체 Regular TTF"/>
+                <a:ea typeface="전기안전체 Regular TTF"/>
+              </a:rPr>
+              <a:t>: TF-IDF, Cosine Similarity, KNN을 활용한 머신러닝 모델 구축</a:t>
+            </a:r>
+            <a:endParaRPr lang="en-US" altLang="ko-KR" sz="3400" i="0" u="none" strike="noStrike">
+              <a:solidFill>
+                <a:srgbClr val="5a5a5a"/>
+              </a:solidFill>
+              <a:latin typeface="전기안전체 Regular TTF"/>
+              <a:ea typeface="전기안전체 Regular TTF"/>
+            </a:endParaRPr>
+          </a:p>
+          <a:p>
+            <a:pPr lvl="0" algn="l">
+              <a:lnSpc>
+                <a:spcPct val="116199"/>
+              </a:lnSpc>
+              <a:defRPr/>
+            </a:pPr>
+            <a:r>
+              <a:rPr lang="ko-KR" altLang="en-US" sz="3400" i="0" u="none" strike="noStrike">
+                <a:solidFill>
+                  <a:srgbClr val="5a5a5a"/>
+                </a:solidFill>
+                <a:latin typeface="전기안전체 Regular TTF"/>
+                <a:ea typeface="전기안전체 Regular TTF"/>
+              </a:rPr>
+              <a:t>	</a:t>
+            </a:r>
+            <a:r>
+              <a:rPr lang="en-US" altLang="ko-KR" sz="3400" b="1" i="0" u="none" strike="noStrike">
+                <a:solidFill>
+                  <a:srgbClr val="5a5a5a"/>
+                </a:solidFill>
+                <a:latin typeface="전기안전체 Regular TTF"/>
+                <a:ea typeface="전기안전체 Regular TTF"/>
+              </a:rPr>
+              <a:t>-</a:t>
+            </a:r>
+            <a:r>
+              <a:rPr lang="ko-KR" altLang="en-US" sz="3400" b="1" i="0" u="none" strike="noStrike">
+                <a:solidFill>
+                  <a:srgbClr val="5a5a5a"/>
+                </a:solidFill>
+                <a:latin typeface="전기안전체 Regular TTF"/>
+                <a:ea typeface="전기안전체 Regular TTF"/>
+              </a:rPr>
+              <a:t> </a:t>
+            </a:r>
+            <a:r>
+              <a:rPr lang="en-US" altLang="ko-KR" sz="3400" b="1" i="0" u="none" strike="noStrike">
+                <a:solidFill>
+                  <a:srgbClr val="5a5a5a"/>
+                </a:solidFill>
+                <a:latin typeface="전기안전체 Regular TTF"/>
+                <a:ea typeface="전기안전체 Regular TTF"/>
+              </a:rPr>
+              <a:t>Folium, Haversine, Geopy</a:t>
+            </a:r>
+            <a:r>
+              <a:rPr lang="en-US" altLang="ko-KR" sz="3400" i="0" u="none" strike="noStrike">
+                <a:solidFill>
+                  <a:srgbClr val="5a5a5a"/>
+                </a:solidFill>
+                <a:latin typeface="전기안전체 Regular TTF"/>
+                <a:ea typeface="전기안전체 Regular TTF"/>
+              </a:rPr>
+              <a:t>: 지도 시각화 및 거리 계산, 지오코딩을 통해 사용자 위치와 카페 		간의 거리 기반 추천 시스템 구현</a:t>
+            </a:r>
+            <a:endParaRPr lang="en-US" altLang="ko-KR" sz="3400" i="0" u="none" strike="noStrike">
+              <a:solidFill>
+                <a:srgbClr val="5a5a5a"/>
+              </a:solidFill>
+              <a:latin typeface="전기안전체 Regular TTF"/>
+              <a:ea typeface="전기안전체 Regular TTF"/>
+            </a:endParaRPr>
+          </a:p>
+          <a:p>
+            <a:pPr lvl="0" algn="l">
+              <a:lnSpc>
+                <a:spcPct val="116199"/>
+              </a:lnSpc>
+              <a:defRPr/>
+            </a:pPr>
+            <a:r>
+              <a:rPr lang="en-US" altLang="ko-KR" sz="3400" i="0" u="none" strike="noStrike">
+                <a:solidFill>
+                  <a:srgbClr val="5a5a5a"/>
+                </a:solidFill>
+                <a:latin typeface="전기안전체 Regular TTF"/>
+                <a:ea typeface="전기안전체 Regular TTF"/>
+              </a:rPr>
+              <a:t>	- </a:t>
+            </a:r>
+            <a:r>
+              <a:rPr lang="en-US" altLang="ko-KR" sz="3400" b="1" i="0" u="none" strike="noStrike">
+                <a:solidFill>
+                  <a:srgbClr val="5a5a5a"/>
+                </a:solidFill>
+                <a:latin typeface="전기안전체 Regular TTF"/>
+                <a:ea typeface="전기안전체 Regular TTF"/>
+              </a:rPr>
+              <a:t>ElasticSearch, Kibana</a:t>
+            </a:r>
+            <a:r>
+              <a:rPr lang="en-US" altLang="ko-KR" sz="3400" i="0" u="none" strike="noStrike">
+                <a:solidFill>
+                  <a:srgbClr val="5a5a5a"/>
+                </a:solidFill>
+                <a:latin typeface="전기안전체 Regular TTF"/>
+                <a:ea typeface="전기안전체 Regular TTF"/>
+              </a:rPr>
+              <a:t>: 고성능 검색 엔진 구축 및 실시간 데이터 시각화를 위한 대시보드 연계</a:t>
+            </a:r>
+            <a:endParaRPr lang="en-US" altLang="ko-KR" sz="3800" i="0" u="none" strike="noStrike">
+              <a:solidFill>
+                <a:srgbClr val="5a5a5a"/>
+              </a:solidFill>
+              <a:latin typeface="전기안전체 Regular TTF"/>
+              <a:ea typeface="전기안전체 Regular TTF"/>
+            </a:endParaRPr>
+          </a:p>
+          <a:p>
+            <a:pPr lvl="0" algn="l">
+              <a:lnSpc>
+                <a:spcPct val="116199"/>
+              </a:lnSpc>
+              <a:defRPr/>
+            </a:pPr>
+            <a:r>
+              <a:rPr lang="ko-KR" altLang="en-US" sz="4000" i="0" u="none" strike="noStrike">
+                <a:solidFill>
+                  <a:srgbClr val="5a5a5a"/>
+                </a:solidFill>
+                <a:latin typeface="전기안전체 Regular TTF"/>
+                <a:ea typeface="전기안전체 Regular TTF"/>
+              </a:rPr>
+              <a:t>	</a:t>
+            </a:r>
             <a:r>
               <a:rPr lang="ko-KR" altLang="en-US" sz="4600" b="0" i="0" u="none" strike="noStrike">
                 <a:solidFill>
@@ -4428,7 +4843,7 @@
                 <a:latin typeface="김해가야체 Regular"/>
                 <a:ea typeface="김해가야체 Regular"/>
               </a:rPr>
-              <a:t>DATA ENGINEERING</a:t>
+              <a:t>DATA SCIENCE</a:t>
             </a:r>
             <a:endParaRPr lang="en-US" altLang="ko-KR" sz="4000" b="1" i="0" u="none" strike="noStrike">
               <a:solidFill>
@@ -20030,8 +20445,8 @@
         </p:blipFill>
         <p:spPr>
           <a:xfrm rot="5400000">
-            <a:off x="-355600" y="7404100"/>
-            <a:ext cx="5372100" cy="12700"/>
+            <a:off x="-334734" y="7383332"/>
+            <a:ext cx="5330466" cy="12601"/>
           </a:xfrm>
           <a:prstGeom prst="rect">
             <a:avLst/>
@@ -20078,7 +20493,7 @@
         </p:blipFill>
         <p:spPr>
           <a:xfrm rot="5400000">
-            <a:off x="4775200" y="7264400"/>
+            <a:off x="4775200" y="7404100"/>
             <a:ext cx="5372100" cy="12700"/>
           </a:xfrm>
           <a:prstGeom prst="rect">
@@ -20102,7 +20517,7 @@
         </p:blipFill>
         <p:spPr>
           <a:xfrm rot="5400000">
-            <a:off x="7454900" y="7404100"/>
+            <a:off x="7302500" y="7404100"/>
             <a:ext cx="5372100" cy="12700"/>
           </a:xfrm>
           <a:prstGeom prst="rect">
@@ -20150,7 +20565,7 @@
         </p:blipFill>
         <p:spPr>
           <a:xfrm rot="5400000">
-            <a:off x="10274300" y="7404100"/>
+            <a:off x="9436100" y="7404100"/>
             <a:ext cx="5372100" cy="12700"/>
           </a:xfrm>
           <a:prstGeom prst="rect">
@@ -20174,7 +20589,7 @@
         </p:blipFill>
         <p:spPr>
           <a:xfrm rot="5400000">
-            <a:off x="12941300" y="7251700"/>
+            <a:off x="12448097" y="7404101"/>
             <a:ext cx="5372100" cy="12700"/>
           </a:xfrm>
           <a:prstGeom prst="rect">
@@ -20191,7 +20606,7 @@
         <p:spPr>
           <a:xfrm>
             <a:off x="914400" y="1168400"/>
-            <a:ext cx="4191000" cy="939800"/>
+            <a:ext cx="4572000" cy="939800"/>
           </a:xfrm>
           <a:prstGeom prst="rect">
             <a:avLst/>
@@ -20257,7 +20672,7 @@
               </a:rPr>
               <a:t>스택</a:t>
             </a:r>
-            <a:endParaRPr lang="ko-KR" sz="5300" b="1" i="0" u="none" strike="noStrike">
+            <a:endParaRPr lang="ko-KR" altLang="en-US" sz="5300" b="1" i="0" u="none" strike="noStrike">
               <a:solidFill>
                 <a:srgbClr val="f4f3f1"/>
               </a:solidFill>
@@ -20275,15 +20690,15 @@
         </p:nvSpPr>
         <p:spPr>
           <a:xfrm>
-            <a:off x="215900" y="3771900"/>
-            <a:ext cx="1993900" cy="419100"/>
+            <a:off x="354520" y="3735896"/>
+            <a:ext cx="1626679" cy="433958"/>
           </a:xfrm>
           <a:prstGeom prst="rect">
             <a:avLst/>
           </a:prstGeom>
         </p:spPr>
         <p:txBody>
-          <a:bodyPr lIns="0" tIns="0" rIns="0" bIns="0" anchor="ctr"/>
+          <a:bodyPr lIns="36004" tIns="36004" rIns="36004" bIns="36004" anchor="ctr"/>
           <a:lstStyle/>
           <a:p>
             <a:pPr lvl="0" algn="ctr">
@@ -20320,15 +20735,15 @@
         </p:nvSpPr>
         <p:spPr>
           <a:xfrm>
-            <a:off x="114300" y="6451600"/>
-            <a:ext cx="2070100" cy="1612900"/>
+            <a:off x="335471" y="6574346"/>
+            <a:ext cx="1605533" cy="1348358"/>
           </a:xfrm>
           <a:prstGeom prst="rect">
             <a:avLst/>
           </a:prstGeom>
         </p:spPr>
         <p:txBody>
-          <a:bodyPr lIns="0" tIns="0" rIns="0" bIns="0" anchor="ctr"/>
+          <a:bodyPr lIns="36004" tIns="36004" rIns="36004" bIns="36004" anchor="ctr"/>
           <a:lstStyle/>
           <a:p>
             <a:pPr lvl="0" algn="ctr">
@@ -20440,15 +20855,15 @@
         </p:nvSpPr>
         <p:spPr>
           <a:xfrm>
-            <a:off x="2590800" y="3771900"/>
-            <a:ext cx="1905000" cy="419100"/>
+            <a:off x="2895600" y="3745421"/>
+            <a:ext cx="1529333" cy="433958"/>
           </a:xfrm>
           <a:prstGeom prst="rect">
             <a:avLst/>
           </a:prstGeom>
         </p:spPr>
         <p:txBody>
-          <a:bodyPr lIns="0" tIns="0" rIns="0" bIns="0" anchor="ctr"/>
+          <a:bodyPr lIns="36004" tIns="36004" rIns="36004" bIns="36004" anchor="ctr"/>
           <a:lstStyle/>
           <a:p>
             <a:pPr lvl="0" algn="ctr">
@@ -20485,15 +20900,15 @@
         </p:nvSpPr>
         <p:spPr>
           <a:xfrm>
-            <a:off x="5181600" y="3771900"/>
-            <a:ext cx="2209800" cy="419100"/>
+            <a:off x="5486400" y="3745421"/>
+            <a:ext cx="1491233" cy="433958"/>
           </a:xfrm>
           <a:prstGeom prst="rect">
             <a:avLst/>
           </a:prstGeom>
         </p:spPr>
         <p:txBody>
-          <a:bodyPr lIns="0" tIns="0" rIns="0" bIns="0" anchor="ctr"/>
+          <a:bodyPr lIns="36004" tIns="36004" rIns="36004" bIns="36004" anchor="ctr"/>
           <a:lstStyle/>
           <a:p>
             <a:pPr lvl="0" algn="ctr">
@@ -20530,15 +20945,15 @@
         </p:nvSpPr>
         <p:spPr>
           <a:xfrm>
-            <a:off x="7467600" y="3771900"/>
-            <a:ext cx="2641600" cy="419100"/>
+            <a:off x="7620000" y="3745421"/>
+            <a:ext cx="2196083" cy="433958"/>
           </a:xfrm>
           <a:prstGeom prst="rect">
             <a:avLst/>
           </a:prstGeom>
         </p:spPr>
         <p:txBody>
-          <a:bodyPr lIns="0" tIns="0" rIns="0" bIns="0" anchor="ctr"/>
+          <a:bodyPr lIns="36004" tIns="36004" rIns="36004" bIns="36004" anchor="ctr"/>
           <a:lstStyle/>
           <a:p>
             <a:pPr lvl="0" algn="ctr">
@@ -20575,15 +20990,15 @@
         </p:nvSpPr>
         <p:spPr>
           <a:xfrm>
-            <a:off x="10210800" y="3771900"/>
-            <a:ext cx="2641600" cy="419100"/>
+            <a:off x="10515600" y="3745421"/>
+            <a:ext cx="1148333" cy="433958"/>
           </a:xfrm>
           <a:prstGeom prst="rect">
             <a:avLst/>
           </a:prstGeom>
         </p:spPr>
         <p:txBody>
-          <a:bodyPr lIns="0" tIns="0" rIns="0" bIns="0" anchor="ctr"/>
+          <a:bodyPr lIns="36004" tIns="36004" rIns="36004" bIns="36004" anchor="ctr"/>
           <a:lstStyle/>
           <a:p>
             <a:pPr lvl="0" algn="ctr">
@@ -20620,15 +21035,15 @@
         </p:nvSpPr>
         <p:spPr>
           <a:xfrm>
-            <a:off x="2438400" y="6781800"/>
-            <a:ext cx="2425700" cy="965200"/>
+            <a:off x="2556892" y="6736271"/>
+            <a:ext cx="2243708" cy="1024508"/>
           </a:xfrm>
           <a:prstGeom prst="rect">
             <a:avLst/>
           </a:prstGeom>
         </p:spPr>
         <p:txBody>
-          <a:bodyPr lIns="0" tIns="0" rIns="0" bIns="0" anchor="ctr"/>
+          <a:bodyPr lIns="36004" tIns="36004" rIns="36004" bIns="36004" anchor="ctr"/>
           <a:lstStyle/>
           <a:p>
             <a:pPr lvl="0" algn="ctr">
@@ -20647,7 +21062,26 @@
               </a:rPr>
               <a:t>-Spring Framework</a:t>
             </a:r>
-            <a:endParaRPr lang="en-US" sz="1800" b="0" i="0" u="none" strike="noStrike">
+            <a:br>
+              <a:rPr lang="en-US" altLang="ko-KR" sz="1800" b="0" i="0" u="none" strike="noStrike">
+                <a:solidFill>
+                  <a:srgbClr val="5a5a5a"/>
+                </a:solidFill>
+                <a:latin typeface="전기안전체 Regular TTF"/>
+                <a:ea typeface="전기안전체 Regular TTF"/>
+              </a:rPr>
+            </a:br>
+            <a:r>
+              <a:rPr lang="en-US" altLang="ko-KR" sz="1800" b="0" i="0" u="none" strike="noStrike">
+                <a:solidFill>
+                  <a:srgbClr val="5a5a5a"/>
+                </a:solidFill>
+                <a:latin typeface="전기안전체 Regular TTF"/>
+                <a:ea typeface="전기안전체 Regular TTF"/>
+              </a:rPr>
+              <a:t>(4.2.4-Release)</a:t>
+            </a:r>
+            <a:endParaRPr lang="en-US" altLang="ko-KR" sz="1800" b="0" i="0" u="none" strike="noStrike">
               <a:solidFill>
                 <a:srgbClr val="5a5a5a"/>
               </a:solidFill>
@@ -20672,7 +21106,17 @@
               </a:rPr>
               <a:t>-MyBatis</a:t>
             </a:r>
-            <a:endParaRPr lang="en-US" sz="1800" b="0" i="0" u="none" strike="noStrike">
+            <a:r>
+              <a:rPr lang="en-US" altLang="ko-KR" sz="1800" b="0" i="0" u="none" strike="noStrike">
+                <a:solidFill>
+                  <a:srgbClr val="5a5a5a"/>
+                </a:solidFill>
+                <a:latin typeface="전기안전체 Regular TTF"/>
+                <a:ea typeface="전기안전체 Regular TTF"/>
+              </a:rPr>
+              <a:t>(3.3.1)</a:t>
+            </a:r>
+            <a:endParaRPr lang="en-US" altLang="ko-KR" sz="1800" b="0" i="0" u="none" strike="noStrike">
               <a:solidFill>
                 <a:srgbClr val="5a5a5a"/>
               </a:solidFill>
@@ -20690,15 +21134,15 @@
         </p:nvSpPr>
         <p:spPr>
           <a:xfrm>
-            <a:off x="5257800" y="7226300"/>
-            <a:ext cx="2006600" cy="647700"/>
+            <a:off x="5317046" y="7012496"/>
+            <a:ext cx="1853183" cy="386333"/>
           </a:xfrm>
           <a:prstGeom prst="rect">
             <a:avLst/>
           </a:prstGeom>
         </p:spPr>
         <p:txBody>
-          <a:bodyPr lIns="0" tIns="0" rIns="0" bIns="0" anchor="ctr"/>
+          <a:bodyPr lIns="36004" tIns="36004" rIns="36004" bIns="36004" anchor="ctr"/>
           <a:lstStyle/>
           <a:p>
             <a:pPr lvl="0" algn="ctr">
@@ -20717,7 +21161,17 @@
               </a:rPr>
               <a:t>-MySQL</a:t>
             </a:r>
-            <a:endParaRPr lang="en-US" sz="1800" b="0" i="0" u="none" strike="noStrike">
+            <a:r>
+              <a:rPr lang="en-US" altLang="ko-KR" sz="1800" b="0" i="0" u="none" strike="noStrike">
+                <a:solidFill>
+                  <a:srgbClr val="5a5a5a"/>
+                </a:solidFill>
+                <a:latin typeface="전기안전체 Regular TTF"/>
+                <a:ea typeface="전기안전체 Regular TTF"/>
+              </a:rPr>
+              <a:t>(8.0.21)</a:t>
+            </a:r>
+            <a:endParaRPr lang="en-US" altLang="ko-KR" sz="1800" b="0" i="0" u="none" strike="noStrike">
               <a:solidFill>
                 <a:srgbClr val="5a5a5a"/>
               </a:solidFill>
@@ -20735,15 +21189,15 @@
         </p:nvSpPr>
         <p:spPr>
           <a:xfrm>
-            <a:off x="7772400" y="7366000"/>
-            <a:ext cx="2273300" cy="330200"/>
+            <a:off x="8338567" y="7043167"/>
+            <a:ext cx="729233" cy="386333"/>
           </a:xfrm>
           <a:prstGeom prst="rect">
             <a:avLst/>
           </a:prstGeom>
         </p:spPr>
         <p:txBody>
-          <a:bodyPr lIns="0" tIns="0" rIns="0" bIns="0" anchor="ctr"/>
+          <a:bodyPr lIns="36004" tIns="36004" rIns="36004" bIns="36004" anchor="ctr"/>
           <a:lstStyle/>
           <a:p>
             <a:pPr lvl="0" algn="ctr">
@@ -20780,15 +21234,15 @@
         </p:nvSpPr>
         <p:spPr>
           <a:xfrm>
-            <a:off x="10515600" y="7099300"/>
-            <a:ext cx="2324100" cy="330200"/>
+            <a:off x="10591800" y="7069646"/>
+            <a:ext cx="967357" cy="386333"/>
           </a:xfrm>
           <a:prstGeom prst="rect">
             <a:avLst/>
           </a:prstGeom>
         </p:spPr>
         <p:txBody>
-          <a:bodyPr lIns="0" tIns="0" rIns="0" bIns="0" anchor="ctr"/>
+          <a:bodyPr lIns="36004" tIns="36004" rIns="36004" bIns="36004" anchor="ctr"/>
           <a:lstStyle/>
           <a:p>
             <a:pPr lvl="0" algn="ctr">
@@ -20825,8 +21279,8 @@
         </p:nvSpPr>
         <p:spPr>
           <a:xfrm>
-            <a:off x="13106400" y="6807200"/>
-            <a:ext cx="2324100" cy="1282700"/>
+            <a:off x="12420600" y="6896100"/>
+            <a:ext cx="2324100" cy="952500"/>
           </a:xfrm>
           <a:prstGeom prst="rect">
             <a:avLst/>
@@ -20852,6 +21306,61 @@
               </a:rPr>
               <a:t>-Python</a:t>
             </a:r>
+            <a:r>
+              <a:rPr lang="en-US" altLang="ko-KR" sz="1800" b="0" i="0" u="none" strike="noStrike">
+                <a:solidFill>
+                  <a:srgbClr val="5a5a5a"/>
+                </a:solidFill>
+                <a:latin typeface="전기안전체 Regular TTF"/>
+                <a:ea typeface="전기안전체 Regular TTF"/>
+              </a:rPr>
+              <a:t>(3.8.8)</a:t>
+            </a:r>
+            <a:endParaRPr lang="en-US" altLang="ko-KR" sz="1800" b="0" i="0" u="none" strike="noStrike">
+              <a:solidFill>
+                <a:srgbClr val="5a5a5a"/>
+              </a:solidFill>
+              <a:latin typeface="전기안전체 Regular TTF"/>
+              <a:ea typeface="전기안전체 Regular TTF"/>
+            </a:endParaRPr>
+          </a:p>
+          <a:p>
+            <a:pPr lvl="0" algn="ctr">
+              <a:lnSpc>
+                <a:spcPct val="116199"/>
+              </a:lnSpc>
+              <a:defRPr/>
+            </a:pPr>
+            <a:r>
+              <a:rPr lang="en-US" sz="1800" b="0" i="0" u="none" strike="noStrike">
+                <a:solidFill>
+                  <a:srgbClr val="5a5a5a"/>
+                </a:solidFill>
+                <a:latin typeface="전기안전체 Regular TTF"/>
+                <a:ea typeface="전기안전체 Regular TTF"/>
+              </a:rPr>
+              <a:t> -ElasticSearch</a:t>
+            </a:r>
+            <a:r>
+              <a:rPr lang="en-US" altLang="ko-KR" sz="1800" b="0" i="0" u="none" strike="noStrike">
+                <a:solidFill>
+                  <a:srgbClr val="5a5a5a"/>
+                </a:solidFill>
+                <a:latin typeface="전기안전체 Regular TTF"/>
+                <a:ea typeface="전기안전체 Regular TTF"/>
+              </a:rPr>
+              <a:t>(6.5.1)</a:t>
+            </a:r>
+            <a:r>
+              <a:rPr lang="en-US" sz="1800" b="0" i="0" u="none" strike="noStrike">
+                <a:solidFill>
+                  <a:srgbClr val="5a5a5a"/>
+                </a:solidFill>
+                <a:latin typeface="전기안전체 Regular TTF"/>
+                <a:ea typeface="전기안전체 Regular TTF"/>
+              </a:rPr>
+              <a:t> </a:t>
+            </a:r>
             <a:endParaRPr lang="en-US" sz="1800" b="0" i="0" u="none" strike="noStrike">
               <a:solidFill>
                 <a:srgbClr val="5a5a5a"/>
@@ -20875,34 +21384,19 @@
                 <a:latin typeface="전기안전체 Regular TTF"/>
                 <a:ea typeface="전기안전체 Regular TTF"/>
               </a:rPr>
-              <a:t> -ElasticSearch </a:t>
-            </a:r>
-            <a:endParaRPr lang="en-US" sz="1800" b="0" i="0" u="none" strike="noStrike">
-              <a:solidFill>
-                <a:srgbClr val="5a5a5a"/>
-              </a:solidFill>
-              <a:latin typeface="전기안전체 Regular TTF"/>
-              <a:ea typeface="전기안전체 Regular TTF"/>
-            </a:endParaRPr>
-          </a:p>
-          <a:p>
-            <a:pPr lvl="0" algn="ctr">
-              <a:lnSpc>
-                <a:spcPct val="116199"/>
-              </a:lnSpc>
-              <a:defRPr/>
-            </a:pPr>
-            <a:r>
-              <a:rPr lang="en-US" sz="1800" b="0" i="0" u="none" strike="noStrike">
-                <a:solidFill>
-                  <a:srgbClr val="5a5a5a"/>
-                </a:solidFill>
-                <a:latin typeface="전기안전체 Regular TTF"/>
-                <a:ea typeface="전기안전체 Regular TTF"/>
-              </a:rPr>
               <a:t>-Kibana</a:t>
             </a:r>
-            <a:endParaRPr lang="en-US" sz="1800" b="0" i="0" u="none" strike="noStrike">
+            <a:r>
+              <a:rPr lang="en-US" altLang="ko-KR" sz="1800" b="0" i="0" u="none" strike="noStrike">
+                <a:solidFill>
+                  <a:srgbClr val="5a5a5a"/>
+                </a:solidFill>
+                <a:latin typeface="전기안전체 Regular TTF"/>
+                <a:ea typeface="전기안전체 Regular TTF"/>
+              </a:rPr>
+              <a:t>(6.5.1)</a:t>
+            </a:r>
+            <a:endParaRPr lang="en-US" altLang="ko-KR" sz="1800" b="0" i="0" u="none" strike="noStrike">
               <a:solidFill>
                 <a:srgbClr val="5a5a5a"/>
               </a:solidFill>
@@ -20920,7 +21414,7 @@
         </p:nvSpPr>
         <p:spPr>
           <a:xfrm>
-            <a:off x="15697200" y="3771900"/>
+            <a:off x="15468600" y="3771900"/>
             <a:ext cx="2374900" cy="419100"/>
           </a:xfrm>
           <a:prstGeom prst="rect">
@@ -20928,7 +21422,7 @@
           </a:prstGeom>
         </p:spPr>
         <p:txBody>
-          <a:bodyPr lIns="0" tIns="0" rIns="0" bIns="0" anchor="ctr"/>
+          <a:bodyPr lIns="36004" tIns="36004" rIns="36004" bIns="36004" anchor="ctr"/>
           <a:lstStyle/>
           <a:p>
             <a:pPr lvl="0" algn="ctr">
@@ -21025,15 +21519,15 @@
         </p:nvSpPr>
         <p:spPr>
           <a:xfrm>
-            <a:off x="15925800" y="5816600"/>
-            <a:ext cx="1955800" cy="2247900"/>
+            <a:off x="15316200" y="6248400"/>
+            <a:ext cx="2743200" cy="2247900"/>
           </a:xfrm>
           <a:prstGeom prst="rect">
             <a:avLst/>
           </a:prstGeom>
         </p:spPr>
         <p:txBody>
-          <a:bodyPr lIns="0" tIns="0" rIns="0" bIns="0" anchor="ctr"/>
+          <a:bodyPr lIns="36004" tIns="36004" rIns="36004" bIns="36004" anchor="ctr"/>
           <a:lstStyle/>
           <a:p>
             <a:pPr lvl="0" algn="ctr">
@@ -21050,7 +21544,7 @@
                 <a:latin typeface="전기안전체 Regular TTF"/>
                 <a:ea typeface="전기안전체 Regular TTF"/>
               </a:rPr>
-              <a:t>-Eclipse (STS3 Framework)</a:t>
+              <a:t>-Eclipse </a:t>
             </a:r>
             <a:endParaRPr lang="en-US" sz="1800" b="0" i="0" u="none" strike="noStrike">
               <a:solidFill>
@@ -21075,7 +21569,27 @@
                 <a:latin typeface="전기안전체 Regular TTF"/>
                 <a:ea typeface="전기안전체 Regular TTF"/>
               </a:rPr>
-              <a:t>-Spyder</a:t>
+              <a:t>(STS3</a:t>
+            </a:r>
+            <a:r>
+              <a:rPr lang="en-US" altLang="ko-KR" sz="1800" b="0" i="0" u="none" strike="noStrike">
+                <a:solidFill>
+                  <a:srgbClr val="5a5a5a"/>
+                </a:solidFill>
+                <a:latin typeface="전기안전체 Regular TTF"/>
+                <a:ea typeface="전기안전체 Regular TTF"/>
+              </a:rPr>
+              <a:t> 3.9.13</a:t>
+            </a:r>
+            <a:r>
+              <a:rPr lang="en-US" sz="1800" b="0" i="0" u="none" strike="noStrike">
+                <a:solidFill>
+                  <a:srgbClr val="5a5a5a"/>
+                </a:solidFill>
+                <a:latin typeface="전기안전체 Regular TTF"/>
+                <a:ea typeface="전기안전체 Regular TTF"/>
+              </a:rPr>
+              <a:t>)</a:t>
             </a:r>
             <a:endParaRPr lang="en-US" sz="1800" b="0" i="0" u="none" strike="noStrike">
               <a:solidFill>
@@ -21100,7 +21614,42 @@
                 <a:latin typeface="전기안전체 Regular TTF"/>
                 <a:ea typeface="전기안전체 Regular TTF"/>
               </a:rPr>
-              <a:t> -VS Code </a:t>
+              <a:t>-Spyder</a:t>
+            </a:r>
+            <a:r>
+              <a:rPr lang="en-US" altLang="ko-KR" sz="1800" b="0" i="0" u="none" strike="noStrike">
+                <a:solidFill>
+                  <a:srgbClr val="5a5a5a"/>
+                </a:solidFill>
+                <a:latin typeface="전기안전체 Regular TTF"/>
+                <a:ea typeface="전기안전체 Regular TTF"/>
+              </a:rPr>
+              <a:t> 4.2.5</a:t>
+            </a:r>
+            <a:endParaRPr lang="en-US" altLang="ko-KR" sz="1800" b="0" i="0" u="none" strike="noStrike">
+              <a:solidFill>
+                <a:srgbClr val="5a5a5a"/>
+              </a:solidFill>
+              <a:latin typeface="전기안전체 Regular TTF"/>
+              <a:ea typeface="전기안전체 Regular TTF"/>
+            </a:endParaRPr>
+          </a:p>
+          <a:p>
+            <a:pPr lvl="0" algn="ctr">
+              <a:lnSpc>
+                <a:spcPct val="116199"/>
+              </a:lnSpc>
+              <a:defRPr/>
+            </a:pPr>
+            <a:r>
+              <a:rPr lang="en-US" sz="1800" b="0" i="0" u="none" strike="noStrike">
+                <a:solidFill>
+                  <a:srgbClr val="5a5a5a"/>
+                </a:solidFill>
+                <a:latin typeface="전기안전체 Regular TTF"/>
+                <a:ea typeface="전기안전체 Regular TTF"/>
+              </a:rPr>
+              <a:t> -VS Code</a:t>
             </a:r>
             <a:endParaRPr lang="en-US" sz="1800" b="0" i="0" u="none" strike="noStrike">
               <a:solidFill>
@@ -21125,9 +21674,39 @@
                 <a:latin typeface="전기안전체 Regular TTF"/>
                 <a:ea typeface="전기안전체 Regular TTF"/>
               </a:rPr>
-              <a:t>-MySQL </a:t>
-            </a:r>
-            <a:endParaRPr lang="en-US" sz="1800" b="0" i="0" u="none" strike="noStrike">
+              <a:t>-MySQL</a:t>
+            </a:r>
+            <a:r>
+              <a:rPr lang="en-US" altLang="ko-KR" sz="1800" b="0" i="0" u="none" strike="noStrike">
+                <a:solidFill>
+                  <a:srgbClr val="5a5a5a"/>
+                </a:solidFill>
+                <a:latin typeface="전기안전체 Regular TTF"/>
+                <a:ea typeface="전기안전체 Regular TTF"/>
+              </a:rPr>
+              <a:t> </a:t>
+            </a:r>
+            <a:r>
+              <a:rPr lang="en-US" sz="1800" b="0" i="0" u="none" strike="noStrike">
+                <a:solidFill>
+                  <a:srgbClr val="5a5a5a"/>
+                </a:solidFill>
+                <a:latin typeface="전기안전체 Regular TTF"/>
+                <a:ea typeface="전기안전체 Regular TTF"/>
+              </a:rPr>
+              <a:t>Workbench</a:t>
+            </a:r>
+            <a:r>
+              <a:rPr lang="en-US" altLang="ko-KR" sz="1800" b="0" i="0" u="none" strike="noStrike">
+                <a:solidFill>
+                  <a:srgbClr val="5a5a5a"/>
+                </a:solidFill>
+                <a:latin typeface="전기안전체 Regular TTF"/>
+                <a:ea typeface="전기안전체 Regular TTF"/>
+              </a:rPr>
+              <a:t> 8.0</a:t>
+            </a:r>
+            <a:endParaRPr lang="en-US" altLang="ko-KR" sz="1800" b="0" i="0" u="none" strike="noStrike">
               <a:solidFill>
                 <a:srgbClr val="5a5a5a"/>
               </a:solidFill>
@@ -21150,34 +21729,19 @@
                 <a:latin typeface="전기안전체 Regular TTF"/>
                 <a:ea typeface="전기안전체 Regular TTF"/>
               </a:rPr>
-              <a:t>-Workbench</a:t>
-            </a:r>
-            <a:endParaRPr lang="en-US" sz="1800" b="0" i="0" u="none" strike="noStrike">
-              <a:solidFill>
-                <a:srgbClr val="5a5a5a"/>
-              </a:solidFill>
-              <a:latin typeface="전기안전체 Regular TTF"/>
-              <a:ea typeface="전기안전체 Regular TTF"/>
-            </a:endParaRPr>
-          </a:p>
-          <a:p>
-            <a:pPr lvl="0" algn="ctr">
-              <a:lnSpc>
-                <a:spcPct val="116199"/>
-              </a:lnSpc>
-              <a:defRPr/>
-            </a:pPr>
-            <a:r>
-              <a:rPr lang="en-US" sz="1800" b="0" i="0" u="none" strike="noStrike">
-                <a:solidFill>
-                  <a:srgbClr val="5a5a5a"/>
-                </a:solidFill>
-                <a:latin typeface="전기안전체 Regular TTF"/>
-                <a:ea typeface="전기안전체 Regular TTF"/>
-              </a:rPr>
               <a:t>-Apache Tomcat</a:t>
             </a:r>
-            <a:endParaRPr lang="en-US" sz="1800" b="0" i="0" u="none" strike="noStrike">
+            <a:r>
+              <a:rPr lang="en-US" altLang="ko-KR" sz="1800" b="0" i="0" u="none" strike="noStrike">
+                <a:solidFill>
+                  <a:srgbClr val="5a5a5a"/>
+                </a:solidFill>
+                <a:latin typeface="전기안전체 Regular TTF"/>
+                <a:ea typeface="전기안전체 Regular TTF"/>
+              </a:rPr>
+              <a:t> 8.5</a:t>
+            </a:r>
+            <a:endParaRPr lang="en-US" altLang="ko-KR" sz="1800" b="0" i="0" u="none" strike="noStrike">
               <a:solidFill>
                 <a:srgbClr val="5a5a5a"/>
               </a:solidFill>
@@ -21195,15 +21759,15 @@
         </p:nvSpPr>
         <p:spPr>
           <a:xfrm>
-            <a:off x="12954000" y="3771900"/>
-            <a:ext cx="2641600" cy="419100"/>
+            <a:off x="12420600" y="3754946"/>
+            <a:ext cx="2081783" cy="424433"/>
           </a:xfrm>
           <a:prstGeom prst="rect">
             <a:avLst/>
           </a:prstGeom>
         </p:spPr>
         <p:txBody>
-          <a:bodyPr lIns="0" tIns="0" rIns="0" bIns="0" anchor="ctr"/>
+          <a:bodyPr lIns="36004" tIns="36004" rIns="36004" bIns="36004" anchor="ctr"/>
           <a:lstStyle/>
           <a:p>
             <a:pPr lvl="0" algn="ctr">
@@ -21547,8 +22111,8 @@
         </p:nvSpPr>
         <p:spPr>
           <a:xfrm>
-            <a:off x="889000" y="3869246"/>
-            <a:ext cx="16256000" cy="6196583"/>
+            <a:off x="533400" y="3869246"/>
+            <a:ext cx="17297400" cy="6196583"/>
           </a:xfrm>
           <a:prstGeom prst="rect">
             <a:avLst/>
@@ -21620,7 +22184,7 @@
               <a:defRPr/>
             </a:pPr>
             <a:r>
-              <a:rPr lang="ko-KR" altLang="en-US" sz="5000" b="1" i="0" u="none" strike="noStrike">
+              <a:rPr lang="ko-KR" altLang="en-US" sz="4000" b="1" i="0" u="none" strike="noStrike">
                 <a:solidFill>
                   <a:srgbClr val="5a5a5a"/>
                 </a:solidFill>
@@ -21630,7 +22194,7 @@
               <a:t>	</a:t>
             </a:r>
             <a:r>
-              <a:rPr lang="en-US" altLang="ko-KR" sz="5000" i="0" u="none" strike="noStrike">
+              <a:rPr lang="en-US" altLang="ko-KR" sz="4000" i="0" u="none" strike="noStrike">
                 <a:solidFill>
                   <a:srgbClr val="5a5a5a"/>
                 </a:solidFill>
@@ -21640,16 +22204,6 @@
               <a:t>-</a:t>
             </a:r>
             <a:r>
-              <a:rPr lang="ko-KR" altLang="en-US" sz="5000" i="0" u="none" strike="noStrike">
-                <a:solidFill>
-                  <a:srgbClr val="5a5a5a"/>
-                </a:solidFill>
-                <a:latin typeface="전기안전체 Regular TTF"/>
-                <a:ea typeface="전기안전체 Regular TTF"/>
-              </a:rPr>
-              <a:t> </a:t>
-            </a:r>
-            <a:r>
               <a:rPr lang="ko-KR" altLang="en-US" sz="4000" i="0" u="none" strike="noStrike">
                 <a:solidFill>
                   <a:srgbClr val="5a5a5a"/>
@@ -21657,7 +22211,7 @@
                 <a:latin typeface="전기안전체 Regular TTF"/>
                 <a:ea typeface="전기안전체 Regular TTF"/>
               </a:rPr>
-              <a:t>전체 프로젝트 관리 및 일정 조율</a:t>
+              <a:t> 전체 프로젝트 관리 및 일정 조율</a:t>
             </a:r>
             <a:r>
               <a:rPr lang="en-US" altLang="ko-KR" sz="4000" i="0" u="none" strike="noStrike">
@@ -21750,6 +22304,101 @@
               <a:defRPr/>
             </a:pPr>
             <a:r>
+              <a:rPr lang="ko-KR" altLang="en-US" sz="4000" b="1" i="0" u="none" strike="noStrike">
+                <a:solidFill>
+                  <a:srgbClr val="5a5a5a"/>
+                </a:solidFill>
+                <a:latin typeface="전기안전체 Regular TTF"/>
+                <a:ea typeface="전기안전체 Regular TTF"/>
+              </a:rPr>
+              <a:t>	</a:t>
+            </a:r>
+            <a:r>
+              <a:rPr lang="en-US" altLang="ko-KR" sz="4000" b="1" i="0" u="none" strike="noStrike">
+                <a:solidFill>
+                  <a:srgbClr val="5a5a5a"/>
+                </a:solidFill>
+                <a:latin typeface="전기안전체 Regular TTF"/>
+                <a:ea typeface="전기안전체 Regular TTF"/>
+              </a:rPr>
+              <a:t>-</a:t>
+            </a:r>
+            <a:r>
+              <a:rPr lang="ko-KR" altLang="en-US" sz="4000" b="1" i="0" u="none" strike="noStrike">
+                <a:solidFill>
+                  <a:srgbClr val="5a5a5a"/>
+                </a:solidFill>
+                <a:latin typeface="전기안전체 Regular TTF"/>
+                <a:ea typeface="전기안전체 Regular TTF"/>
+              </a:rPr>
+              <a:t> </a:t>
+            </a:r>
+            <a:r>
+              <a:rPr lang="en-US" altLang="ko-KR" sz="4000" i="0" u="none" strike="noStrike">
+                <a:solidFill>
+                  <a:srgbClr val="5a5a5a"/>
+                </a:solidFill>
+                <a:latin typeface="전기안전체 Regular TTF"/>
+                <a:ea typeface="전기안전체 Regular TTF"/>
+              </a:rPr>
+              <a:t>PM</a:t>
+            </a:r>
+            <a:r>
+              <a:rPr lang="ko-KR" altLang="en-US" sz="4000" i="0" u="none" strike="noStrike">
+                <a:solidFill>
+                  <a:srgbClr val="5a5a5a"/>
+                </a:solidFill>
+                <a:latin typeface="전기안전체 Regular TTF"/>
+                <a:ea typeface="전기안전체 Regular TTF"/>
+              </a:rPr>
+              <a:t> 지원</a:t>
+            </a:r>
+            <a:r>
+              <a:rPr lang="en-US" altLang="ko-KR" sz="4000" i="0" u="none" strike="noStrike">
+                <a:solidFill>
+                  <a:srgbClr val="5a5a5a"/>
+                </a:solidFill>
+                <a:latin typeface="전기안전체 Regular TTF"/>
+                <a:ea typeface="전기안전체 Regular TTF"/>
+              </a:rPr>
+              <a:t>,</a:t>
+            </a:r>
+            <a:r>
+              <a:rPr lang="ko-KR" altLang="en-US" sz="4000" i="0" u="none" strike="noStrike">
+                <a:solidFill>
+                  <a:srgbClr val="5a5a5a"/>
+                </a:solidFill>
+                <a:latin typeface="전기안전체 Regular TTF"/>
+                <a:ea typeface="전기안전체 Regular TTF"/>
+              </a:rPr>
+              <a:t> 일정 관리 보조</a:t>
+            </a:r>
+            <a:endParaRPr lang="ko-KR" altLang="en-US" sz="4000" i="0" u="none" strike="noStrike">
+              <a:solidFill>
+                <a:srgbClr val="5a5a5a"/>
+              </a:solidFill>
+              <a:latin typeface="전기안전체 Regular TTF"/>
+              <a:ea typeface="전기안전체 Regular TTF"/>
+            </a:endParaRPr>
+          </a:p>
+          <a:p>
+            <a:pPr lvl="0" algn="l">
+              <a:lnSpc>
+                <a:spcPct val="116199"/>
+              </a:lnSpc>
+              <a:defRPr/>
+            </a:pPr>
+            <a:r>
+              <a:rPr lang="en-US" altLang="ko-KR" sz="5000" b="1" i="0" u="none" strike="noStrike">
+                <a:solidFill>
+                  <a:srgbClr val="5a5a5a"/>
+                </a:solidFill>
+                <a:latin typeface="전기안전체 Regular TTF"/>
+                <a:ea typeface="전기안전체 Regular TTF"/>
+              </a:rPr>
+              <a:t>PA (Project Assistant): </a:t>
+            </a:r>
+            <a:r>
               <a:rPr lang="ko-KR" altLang="en-US" sz="5000" b="1" i="0" u="none" strike="noStrike">
                 <a:solidFill>
                   <a:srgbClr val="5a5a5a"/>
@@ -21757,67 +22406,7 @@
                 <a:latin typeface="전기안전체 Regular TTF"/>
                 <a:ea typeface="전기안전체 Regular TTF"/>
               </a:rPr>
-              <a:t>	</a:t>
-            </a:r>
-            <a:r>
-              <a:rPr lang="en-US" altLang="ko-KR" sz="5000" b="1" i="0" u="none" strike="noStrike">
-                <a:solidFill>
-                  <a:srgbClr val="5a5a5a"/>
-                </a:solidFill>
-                <a:latin typeface="전기안전체 Regular TTF"/>
-                <a:ea typeface="전기안전체 Regular TTF"/>
-              </a:rPr>
-              <a:t>-</a:t>
-            </a:r>
-            <a:r>
-              <a:rPr lang="ko-KR" altLang="en-US" sz="5000" b="1" i="0" u="none" strike="noStrike">
-                <a:solidFill>
-                  <a:srgbClr val="5a5a5a"/>
-                </a:solidFill>
-                <a:latin typeface="전기안전체 Regular TTF"/>
-                <a:ea typeface="전기안전체 Regular TTF"/>
-              </a:rPr>
-              <a:t> </a:t>
-            </a:r>
-            <a:r>
-              <a:rPr lang="en-US" altLang="ko-KR" sz="4000" i="0" u="none" strike="noStrike">
-                <a:solidFill>
-                  <a:srgbClr val="5a5a5a"/>
-                </a:solidFill>
-                <a:latin typeface="전기안전체 Regular TTF"/>
-                <a:ea typeface="전기안전체 Regular TTF"/>
-              </a:rPr>
-              <a:t>PM</a:t>
-            </a:r>
-            <a:r>
-              <a:rPr lang="ko-KR" altLang="en-US" sz="4000" i="0" u="none" strike="noStrike">
-                <a:solidFill>
-                  <a:srgbClr val="5a5a5a"/>
-                </a:solidFill>
-                <a:latin typeface="전기안전체 Regular TTF"/>
-                <a:ea typeface="전기안전체 Regular TTF"/>
-              </a:rPr>
-              <a:t> 지원</a:t>
-            </a:r>
-            <a:r>
-              <a:rPr lang="en-US" altLang="ko-KR" sz="4000" i="0" u="none" strike="noStrike">
-                <a:solidFill>
-                  <a:srgbClr val="5a5a5a"/>
-                </a:solidFill>
-                <a:latin typeface="전기안전체 Regular TTF"/>
-                <a:ea typeface="전기안전체 Regular TTF"/>
-              </a:rPr>
-              <a:t>,</a:t>
-            </a:r>
-            <a:r>
-              <a:rPr lang="ko-KR" altLang="en-US" sz="4000" i="0" u="none" strike="noStrike">
-                <a:solidFill>
-                  <a:srgbClr val="5a5a5a"/>
-                </a:solidFill>
-                <a:latin typeface="전기안전체 Regular TTF"/>
-                <a:ea typeface="전기안전체 Regular TTF"/>
-              </a:rPr>
-              <a:t> 일정 관리 보조</a:t>
+              <a:t>차지민</a:t>
             </a:r>
             <a:endParaRPr lang="ko-KR" altLang="en-US" sz="5000" b="1" i="0" u="none" strike="noStrike">
               <a:solidFill>
@@ -21835,62 +22424,7 @@
               <a:defRPr/>
             </a:pPr>
             <a:r>
-              <a:rPr lang="en-US" altLang="ko-KR" sz="5000" b="1" i="0" u="none" strike="noStrike">
-                <a:solidFill>
-                  <a:srgbClr val="5a5a5a"/>
-                </a:solidFill>
-                <a:latin typeface="전기안전체 Regular TTF"/>
-                <a:ea typeface="전기안전체 Regular TTF"/>
-              </a:rPr>
-              <a:t>TL (</a:t>
-            </a:r>
-            <a:r>
-              <a:rPr lang="en-US" altLang="ko-KR" sz="4600" b="1" i="0" u="none" strike="noStrike">
-                <a:solidFill>
-                  <a:srgbClr val="5a5a5a"/>
-                </a:solidFill>
-                <a:latin typeface="전기안전체 Regular TTF"/>
-                <a:ea typeface="전기안전체 Regular TTF"/>
-              </a:rPr>
-              <a:t>Tech Leader</a:t>
-            </a:r>
-            <a:r>
-              <a:rPr lang="en-US" altLang="ko-KR" sz="5000" b="1" i="0" u="none" strike="noStrike">
-                <a:solidFill>
-                  <a:srgbClr val="5a5a5a"/>
-                </a:solidFill>
-                <a:latin typeface="전기안전체 Regular TTF"/>
-                <a:ea typeface="전기안전체 Regular TTF"/>
-              </a:rPr>
-              <a:t>): </a:t>
-            </a:r>
-            <a:r>
-              <a:rPr lang="ko-KR" altLang="en-US" sz="5000" b="1" i="0" u="none" strike="noStrike">
-                <a:solidFill>
-                  <a:srgbClr val="5a5a5a"/>
-                </a:solidFill>
-                <a:latin typeface="전기안전체 Regular TTF"/>
-                <a:ea typeface="전기안전체 Regular TTF"/>
-              </a:rPr>
-              <a:t>차지민</a:t>
-            </a:r>
-            <a:endParaRPr lang="ko-KR" altLang="en-US" sz="5000" b="1" i="0" u="none" strike="noStrike">
-              <a:solidFill>
-                <a:srgbClr val="5a5a5a"/>
-              </a:solidFill>
-              <a:latin typeface="전기안전체 Regular TTF"/>
-              <a:ea typeface="전기안전체 Regular TTF"/>
-            </a:endParaRPr>
-          </a:p>
-          <a:p>
-            <a:pPr lvl="0" algn="l">
-              <a:lnSpc>
-                <a:spcPct val="116199"/>
-              </a:lnSpc>
-              <a:defRPr/>
-            </a:pPr>
-            <a:r>
-              <a:rPr lang="ko-KR" altLang="en-US" sz="5000" b="1" i="0" u="none" strike="noStrike">
+              <a:rPr lang="ko-KR" altLang="en-US" sz="4000" b="1" i="0" u="none" strike="noStrike">
                 <a:solidFill>
                   <a:srgbClr val="5a5a5a"/>
                 </a:solidFill>
@@ -21900,7 +22434,7 @@
               <a:t>	</a:t>
             </a:r>
             <a:r>
-              <a:rPr lang="en-US" altLang="ko-KR" sz="5000" b="1" i="0" u="none" strike="noStrike">
+              <a:rPr lang="en-US" altLang="ko-KR" sz="4000" i="0" u="none" strike="noStrike">
                 <a:solidFill>
                   <a:srgbClr val="5a5a5a"/>
                 </a:solidFill>
@@ -21910,16 +22444,6 @@
               <a:t>-</a:t>
             </a:r>
             <a:r>
-              <a:rPr lang="ko-KR" altLang="en-US" sz="5000" b="1" i="0" u="none" strike="noStrike">
-                <a:solidFill>
-                  <a:srgbClr val="5a5a5a"/>
-                </a:solidFill>
-                <a:latin typeface="전기안전체 Regular TTF"/>
-                <a:ea typeface="전기안전체 Regular TTF"/>
-              </a:rPr>
-              <a:t> </a:t>
-            </a:r>
-            <a:r>
               <a:rPr lang="ko-KR" altLang="en-US" sz="4000" i="0" u="none" strike="noStrike">
                 <a:solidFill>
                   <a:srgbClr val="5a5a5a"/>
@@ -21927,9 +22451,9 @@
                 <a:latin typeface="전기안전체 Regular TTF"/>
                 <a:ea typeface="전기안전체 Regular TTF"/>
               </a:rPr>
-              <a:t>기술적 리더십 제공, 아키텍처 설계, 코드 품질 관리, 기술적 문제 해결</a:t>
-            </a:r>
-            <a:endParaRPr lang="ko-KR" altLang="en-US" sz="5000" b="1" i="0" u="none" strike="noStrike">
+              <a:t> 기술적 리더십 제공, 아키텍처 설계, 코드 품질 관리, 기술적 문제 및 일정상 문제 	해결 지원.</a:t>
+            </a:r>
+            <a:endParaRPr lang="ko-KR" altLang="en-US" sz="4000" i="0" u="none" strike="noStrike">
               <a:solidFill>
                 <a:srgbClr val="5a5a5a"/>
               </a:solidFill>
@@ -22195,6 +22719,101 @@
               <a:defRPr/>
             </a:pPr>
             <a:r>
+              <a:rPr lang="ko-KR" altLang="en-US" sz="4500" i="0" u="none" strike="noStrike">
+                <a:solidFill>
+                  <a:srgbClr val="5a5a5a"/>
+                </a:solidFill>
+                <a:latin typeface="전기안전체 Regular TTF"/>
+                <a:ea typeface="전기안전체 Regular TTF"/>
+              </a:rPr>
+              <a:t>	</a:t>
+            </a:r>
+            <a:r>
+              <a:rPr lang="en-US" altLang="ko-KR" sz="4500" i="0" u="none" strike="noStrike">
+                <a:solidFill>
+                  <a:srgbClr val="5a5a5a"/>
+                </a:solidFill>
+                <a:latin typeface="전기안전체 Regular TTF"/>
+                <a:ea typeface="전기안전체 Regular TTF"/>
+              </a:rPr>
+              <a:t>-</a:t>
+            </a:r>
+            <a:r>
+              <a:rPr lang="ko-KR" altLang="en-US" sz="4500" i="0" u="none" strike="noStrike">
+                <a:solidFill>
+                  <a:srgbClr val="5a5a5a"/>
+                </a:solidFill>
+                <a:latin typeface="전기안전체 Regular TTF"/>
+                <a:ea typeface="전기안전체 Regular TTF"/>
+              </a:rPr>
+              <a:t> 파트 구성원</a:t>
+            </a:r>
+            <a:r>
+              <a:rPr lang="en-US" altLang="ko-KR" sz="4500" i="0" u="none" strike="noStrike">
+                <a:solidFill>
+                  <a:srgbClr val="5a5a5a"/>
+                </a:solidFill>
+                <a:latin typeface="전기안전체 Regular TTF"/>
+                <a:ea typeface="전기안전체 Regular TTF"/>
+              </a:rPr>
+              <a:t>:</a:t>
+            </a:r>
+            <a:r>
+              <a:rPr lang="ko-KR" altLang="en-US" sz="4500" i="0" u="none" strike="noStrike">
+                <a:solidFill>
+                  <a:srgbClr val="5a5a5a"/>
+                </a:solidFill>
+                <a:latin typeface="전기안전체 Regular TTF"/>
+                <a:ea typeface="전기안전체 Regular TTF"/>
+              </a:rPr>
+              <a:t> </a:t>
+            </a:r>
+            <a:r>
+              <a:rPr lang="ko-KR" altLang="en-US" sz="4500" b="1" i="0" u="none" strike="noStrike">
+                <a:solidFill>
+                  <a:srgbClr val="5a5a5a"/>
+                </a:solidFill>
+                <a:latin typeface="전기안전체 Regular TTF"/>
+                <a:ea typeface="전기안전체 Regular TTF"/>
+              </a:rPr>
+              <a:t>이주연</a:t>
+            </a:r>
+            <a:r>
+              <a:rPr lang="en-US" altLang="ko-KR" sz="4500" b="1" i="0" u="none" strike="noStrike">
+                <a:solidFill>
+                  <a:srgbClr val="5a5a5a"/>
+                </a:solidFill>
+                <a:latin typeface="전기안전체 Regular TTF"/>
+                <a:ea typeface="전기안전체 Regular TTF"/>
+              </a:rPr>
+              <a:t>,</a:t>
+            </a:r>
+            <a:r>
+              <a:rPr lang="ko-KR" altLang="en-US" sz="4500" b="1" i="0" u="none" strike="noStrike">
+                <a:solidFill>
+                  <a:srgbClr val="5a5a5a"/>
+                </a:solidFill>
+                <a:latin typeface="전기안전체 Regular TTF"/>
+                <a:ea typeface="전기안전체 Regular TTF"/>
+              </a:rPr>
+              <a:t> 백찬혁</a:t>
+            </a:r>
+            <a:endParaRPr lang="ko-KR" altLang="en-US" sz="5000" b="1" i="0" u="none" strike="noStrike">
+              <a:solidFill>
+                <a:srgbClr val="5a5a5a"/>
+              </a:solidFill>
+              <a:latin typeface="전기안전체 Regular TTF"/>
+              <a:ea typeface="전기안전체 Regular TTF"/>
+            </a:endParaRPr>
+          </a:p>
+          <a:p>
+            <a:pPr lvl="0" algn="l">
+              <a:lnSpc>
+                <a:spcPct val="116199"/>
+              </a:lnSpc>
+              <a:defRPr/>
+            </a:pPr>
+            <a:r>
               <a:rPr lang="ko-KR" altLang="en-US" sz="5000" b="1" i="0" u="none" strike="noStrike">
                 <a:solidFill>
                   <a:srgbClr val="5a5a5a"/>
@@ -22317,8 +22936,23 @@
                 <a:latin typeface="전기안전체 Regular TTF"/>
                 <a:ea typeface="전기안전체 Regular TTF"/>
               </a:rPr>
-              <a:t> 파트 구성원</a:t>
-            </a:r>
+              <a:t> 화면 정의서</a:t>
+            </a:r>
+            <a:endParaRPr lang="ko-KR" altLang="en-US" sz="4000" i="0" u="none" strike="noStrike">
+              <a:solidFill>
+                <a:srgbClr val="5a5a5a"/>
+              </a:solidFill>
+              <a:latin typeface="전기안전체 Regular TTF"/>
+              <a:ea typeface="전기안전체 Regular TTF"/>
+            </a:endParaRPr>
+          </a:p>
+          <a:p>
+            <a:pPr lvl="0" algn="l">
+              <a:lnSpc>
+                <a:spcPct val="116199"/>
+              </a:lnSpc>
+              <a:defRPr/>
+            </a:pPr>
             <a:r>
               <a:rPr lang="en-US" altLang="ko-KR" sz="4000" i="0" u="none" strike="noStrike">
                 <a:solidFill>
@@ -22327,7 +22961,7 @@
                 <a:latin typeface="전기안전체 Regular TTF"/>
                 <a:ea typeface="전기안전체 Regular TTF"/>
               </a:rPr>
-              <a:t>:</a:t>
+              <a:t>	- UI/UX</a:t>
             </a:r>
             <a:r>
               <a:rPr lang="ko-KR" altLang="en-US" sz="4000" i="0" u="none" strike="noStrike">
@@ -22337,37 +22971,117 @@
                 <a:latin typeface="전기안전체 Regular TTF"/>
                 <a:ea typeface="전기안전체 Regular TTF"/>
               </a:rPr>
+              <a:t> 설계</a:t>
+            </a:r>
+            <a:endParaRPr lang="ko-KR" altLang="en-US" sz="4000" i="0" u="none" strike="noStrike">
+              <a:solidFill>
+                <a:srgbClr val="5a5a5a"/>
+              </a:solidFill>
+              <a:latin typeface="전기안전체 Regular TTF"/>
+              <a:ea typeface="전기안전체 Regular TTF"/>
+            </a:endParaRPr>
+          </a:p>
+          <a:p>
+            <a:pPr lvl="0" algn="l">
+              <a:lnSpc>
+                <a:spcPct val="116199"/>
+              </a:lnSpc>
+              <a:defRPr/>
+            </a:pPr>
+            <a:r>
+              <a:rPr lang="ko-KR" altLang="en-US" sz="4000" i="0" u="none" strike="noStrike">
+                <a:solidFill>
+                  <a:srgbClr val="5a5a5a"/>
+                </a:solidFill>
+                <a:latin typeface="전기안전체 Regular TTF"/>
+                <a:ea typeface="전기안전체 Regular TTF"/>
+              </a:rPr>
+              <a:t>	</a:t>
+            </a:r>
+            <a:r>
+              <a:rPr lang="en-US" altLang="ko-KR" sz="4000" i="0" u="none" strike="noStrike">
+                <a:solidFill>
+                  <a:srgbClr val="5a5a5a"/>
+                </a:solidFill>
+                <a:latin typeface="전기안전체 Regular TTF"/>
+                <a:ea typeface="전기안전체 Regular TTF"/>
+              </a:rPr>
+              <a:t>-</a:t>
+            </a:r>
+            <a:r>
+              <a:rPr lang="ko-KR" altLang="en-US" sz="4000" i="0" u="none" strike="noStrike">
+                <a:solidFill>
+                  <a:srgbClr val="5a5a5a"/>
+                </a:solidFill>
+                <a:latin typeface="전기안전체 Regular TTF"/>
+                <a:ea typeface="전기안전체 Regular TTF"/>
+              </a:rPr>
+              <a:t> 프로토 타입</a:t>
+            </a:r>
+            <a:endParaRPr lang="ko-KR" altLang="en-US" sz="4000" i="0" u="none" strike="noStrike">
+              <a:solidFill>
+                <a:srgbClr val="5a5a5a"/>
+              </a:solidFill>
+              <a:latin typeface="전기안전체 Regular TTF"/>
+              <a:ea typeface="전기안전체 Regular TTF"/>
+            </a:endParaRPr>
+          </a:p>
+          <a:p>
+            <a:pPr lvl="0" algn="l">
+              <a:lnSpc>
+                <a:spcPct val="116199"/>
+              </a:lnSpc>
+              <a:defRPr/>
+            </a:pPr>
+            <a:r>
+              <a:rPr lang="ko-KR" altLang="en-US" sz="4000" i="0" u="none" strike="noStrike">
+                <a:solidFill>
+                  <a:srgbClr val="5a5a5a"/>
+                </a:solidFill>
+                <a:latin typeface="전기안전체 Regular TTF"/>
+                <a:ea typeface="전기안전체 Regular TTF"/>
+              </a:rPr>
+              <a:t>	</a:t>
+            </a:r>
+            <a:r>
+              <a:rPr lang="en-US" altLang="ko-KR" sz="4000" i="0" u="none" strike="noStrike">
+                <a:solidFill>
+                  <a:srgbClr val="5a5a5a"/>
+                </a:solidFill>
+                <a:latin typeface="전기안전체 Regular TTF"/>
+                <a:ea typeface="전기안전체 Regular TTF"/>
+              </a:rPr>
+              <a:t>-</a:t>
+            </a:r>
+            <a:r>
+              <a:rPr lang="ko-KR" altLang="en-US" sz="4000" i="0" u="none" strike="noStrike">
+                <a:solidFill>
+                  <a:srgbClr val="5a5a5a"/>
+                </a:solidFill>
+                <a:latin typeface="전기안전체 Regular TTF"/>
+                <a:ea typeface="전기안전체 Regular TTF"/>
+              </a:rPr>
               <a:t> </a:t>
             </a:r>
             <a:r>
-              <a:rPr lang="ko-KR" altLang="en-US" sz="4500" b="1" i="0" u="none" strike="noStrike">
-                <a:solidFill>
-                  <a:srgbClr val="5a5a5a"/>
-                </a:solidFill>
-                <a:latin typeface="전기안전체 Regular TTF"/>
-                <a:ea typeface="전기안전체 Regular TTF"/>
-              </a:rPr>
-              <a:t>이주연</a:t>
-            </a:r>
-            <a:r>
-              <a:rPr lang="en-US" altLang="ko-KR" sz="4500" b="1" i="0" u="none" strike="noStrike">
-                <a:solidFill>
-                  <a:srgbClr val="5a5a5a"/>
-                </a:solidFill>
-                <a:latin typeface="전기안전체 Regular TTF"/>
-                <a:ea typeface="전기안전체 Regular TTF"/>
-              </a:rPr>
-              <a:t>,</a:t>
-            </a:r>
-            <a:r>
-              <a:rPr lang="ko-KR" altLang="en-US" sz="4500" b="1" i="0" u="none" strike="noStrike">
-                <a:solidFill>
-                  <a:srgbClr val="5a5a5a"/>
-                </a:solidFill>
-                <a:latin typeface="전기안전체 Regular TTF"/>
-                <a:ea typeface="전기안전체 Regular TTF"/>
-              </a:rPr>
-              <a:t> 백찬혁</a:t>
+              <a:rPr lang="en-US" altLang="ko-KR" sz="4000" i="0" u="none" strike="noStrike">
+                <a:solidFill>
+                  <a:srgbClr val="5a5a5a"/>
+                </a:solidFill>
+                <a:latin typeface="전기안전체 Regular TTF"/>
+                <a:ea typeface="전기안전체 Regular TTF"/>
+              </a:rPr>
+              <a:t>HTML, CSS, JAVASCRIPT, BOOTSTRAP</a:t>
+            </a:r>
+            <a:r>
+              <a:rPr lang="ko-KR" altLang="en-US" sz="4000" i="0" u="none" strike="noStrike">
+                <a:solidFill>
+                  <a:srgbClr val="5a5a5a"/>
+                </a:solidFill>
+                <a:latin typeface="전기안전체 Regular TTF"/>
+                <a:ea typeface="전기안전체 Regular TTF"/>
+              </a:rPr>
+              <a:t> 사용하여 화면 구현</a:t>
             </a:r>
             <a:endParaRPr lang="ko-KR" altLang="en-US" sz="4000" i="0" u="none" strike="noStrike">
               <a:solidFill>

--- a/제안서/프로젝트 제안서 (240826 수정).pptx
+++ b/제안서/프로젝트 제안서 (240826 수정).pptx
@@ -4558,7 +4558,7 @@
                 <a:latin typeface="전기안전체 Regular TTF"/>
                 <a:ea typeface="전기안전체 Regular TTF"/>
               </a:rPr>
-              <a:t>분석(NLP)을 통해 키워드 추출, 감성 분석 등 수행.</a:t>
+              <a:t>분석(NLP)을 통해 키워드 추출, 감성 분석 등 수행</a:t>
             </a:r>
             <a:endParaRPr lang="ko-KR" altLang="en-US" sz="3400" i="0" u="none" strike="noStrike">
               <a:solidFill>
@@ -4715,7 +4715,7 @@
               </a:rPr>
               <a:t>: 고성능 검색 엔진 구축 및 실시간 데이터 시각화를 위한 대시보드 연계</a:t>
             </a:r>
-            <a:endParaRPr lang="en-US" altLang="ko-KR" sz="3800" i="0" u="none" strike="noStrike">
+            <a:endParaRPr lang="en-US" altLang="ko-KR" sz="3400" i="0" u="none" strike="noStrike">
               <a:solidFill>
                 <a:srgbClr val="5a5a5a"/>
               </a:solidFill>
@@ -22451,7 +22451,7 @@
                 <a:latin typeface="전기안전체 Regular TTF"/>
                 <a:ea typeface="전기안전체 Regular TTF"/>
               </a:rPr>
-              <a:t> 기술적 리더십 제공, 아키텍처 설계, 코드 품질 관리, 기술적 문제 및 일정상 문제 	해결 지원.</a:t>
+              <a:t> 기술적 리더십 제공, 아키텍처 설계, 코드 품질 관리, 기술적 문제 및 일정상 문제 	해결 지원</a:t>
             </a:r>
             <a:endParaRPr lang="ko-KR" altLang="en-US" sz="4000" i="0" u="none" strike="noStrike">
               <a:solidFill>
